--- a/Review 2.pptx
+++ b/Review 2.pptx
@@ -5,7 +5,7 @@
     <p:sldMasterId id="2147483680" r:id="rId1"/>
   </p:sldMasterIdLst>
   <p:notesMasterIdLst>
-    <p:notesMasterId r:id="rId14"/>
+    <p:notesMasterId r:id="rId13"/>
   </p:notesMasterIdLst>
   <p:sldIdLst>
     <p:sldId id="256" r:id="rId2"/>
@@ -15,42 +15,41 @@
     <p:sldId id="262" r:id="rId6"/>
     <p:sldId id="289" r:id="rId7"/>
     <p:sldId id="293" r:id="rId8"/>
-    <p:sldId id="295" r:id="rId9"/>
-    <p:sldId id="290" r:id="rId10"/>
-    <p:sldId id="291" r:id="rId11"/>
-    <p:sldId id="292" r:id="rId12"/>
-    <p:sldId id="286" r:id="rId13"/>
+    <p:sldId id="290" r:id="rId9"/>
+    <p:sldId id="291" r:id="rId10"/>
+    <p:sldId id="292" r:id="rId11"/>
+    <p:sldId id="286" r:id="rId12"/>
   </p:sldIdLst>
   <p:sldSz cx="9144000" cy="5143500" type="screen16x9"/>
   <p:notesSz cx="6858000" cy="9144000"/>
   <p:embeddedFontLst>
     <p:embeddedFont>
       <p:font typeface="Nunito" pitchFamily="2" charset="77"/>
-      <p:regular r:id="rId15"/>
-      <p:bold r:id="rId16"/>
-      <p:italic r:id="rId17"/>
-      <p:boldItalic r:id="rId18"/>
+      <p:regular r:id="rId14"/>
+      <p:bold r:id="rId15"/>
+      <p:italic r:id="rId16"/>
+      <p:boldItalic r:id="rId17"/>
     </p:embeddedFont>
     <p:embeddedFont>
       <p:font typeface="Roboto" panose="02000000000000000000" pitchFamily="2" charset="0"/>
-      <p:regular r:id="rId19"/>
-      <p:bold r:id="rId20"/>
-      <p:italic r:id="rId21"/>
-      <p:boldItalic r:id="rId22"/>
+      <p:regular r:id="rId18"/>
+      <p:bold r:id="rId19"/>
+      <p:italic r:id="rId20"/>
+      <p:boldItalic r:id="rId21"/>
     </p:embeddedFont>
     <p:embeddedFont>
       <p:font typeface="Saira" pitchFamily="2" charset="77"/>
-      <p:regular r:id="rId23"/>
-      <p:bold r:id="rId24"/>
-      <p:italic r:id="rId25"/>
-      <p:boldItalic r:id="rId26"/>
+      <p:regular r:id="rId22"/>
+      <p:bold r:id="rId23"/>
+      <p:italic r:id="rId24"/>
+      <p:boldItalic r:id="rId25"/>
     </p:embeddedFont>
     <p:embeddedFont>
       <p:font typeface="Source Sans Pro" panose="020B0503030403020204" pitchFamily="34" charset="0"/>
-      <p:regular r:id="rId27"/>
-      <p:bold r:id="rId28"/>
-      <p:italic r:id="rId29"/>
-      <p:boldItalic r:id="rId30"/>
+      <p:regular r:id="rId26"/>
+      <p:bold r:id="rId27"/>
+      <p:italic r:id="rId28"/>
+      <p:boldItalic r:id="rId29"/>
     </p:embeddedFont>
   </p:embeddedFontLst>
   <p:defaultTextStyle>
@@ -1044,115 +1043,6 @@
 </file>
 
 <file path=ppt/notesSlides/notesSlide4.xml><?xml version="1.0" encoding="utf-8"?>
-<p:notes xmlns:a="http://schemas.openxmlformats.org/drawingml/2006/main" xmlns:r="http://schemas.openxmlformats.org/officeDocument/2006/relationships" xmlns:p="http://schemas.openxmlformats.org/presentationml/2006/main" showMasterSp="0" showMasterPhAnim="0">
-  <p:cSld>
-    <p:spTree>
-      <p:nvGrpSpPr>
-        <p:cNvPr id="1" name="Shape 971"/>
-        <p:cNvGrpSpPr/>
-        <p:nvPr/>
-      </p:nvGrpSpPr>
-      <p:grpSpPr>
-        <a:xfrm>
-          <a:off x="0" y="0"/>
-          <a:ext cx="0" cy="0"/>
-          <a:chOff x="0" y="0"/>
-          <a:chExt cx="0" cy="0"/>
-        </a:xfrm>
-      </p:grpSpPr>
-      <p:sp>
-        <p:nvSpPr>
-          <p:cNvPr id="972" name="Google Shape;972;g92dc520636_1_66:notes"/>
-          <p:cNvSpPr>
-            <a:spLocks noGrp="1" noRot="1" noChangeAspect="1"/>
-          </p:cNvSpPr>
-          <p:nvPr>
-            <p:ph type="sldImg" idx="2"/>
-          </p:nvPr>
-        </p:nvSpPr>
-        <p:spPr>
-          <a:xfrm>
-            <a:off x="381000" y="685800"/>
-            <a:ext cx="6096000" cy="3429000"/>
-          </a:xfrm>
-          <a:custGeom>
-            <a:avLst/>
-            <a:gdLst/>
-            <a:ahLst/>
-            <a:cxnLst/>
-            <a:rect l="l" t="t" r="r" b="b"/>
-            <a:pathLst>
-              <a:path w="120000" h="120000" extrusionOk="0">
-                <a:moveTo>
-                  <a:pt x="0" y="0"/>
-                </a:moveTo>
-                <a:lnTo>
-                  <a:pt x="120000" y="0"/>
-                </a:lnTo>
-                <a:lnTo>
-                  <a:pt x="120000" y="120000"/>
-                </a:lnTo>
-                <a:lnTo>
-                  <a:pt x="0" y="120000"/>
-                </a:lnTo>
-                <a:close/>
-              </a:path>
-            </a:pathLst>
-          </a:custGeom>
-        </p:spPr>
-      </p:sp>
-      <p:sp>
-        <p:nvSpPr>
-          <p:cNvPr id="973" name="Google Shape;973;g92dc520636_1_66:notes"/>
-          <p:cNvSpPr txBox="1">
-            <a:spLocks noGrp="1"/>
-          </p:cNvSpPr>
-          <p:nvPr>
-            <p:ph type="body" idx="1"/>
-          </p:nvPr>
-        </p:nvSpPr>
-        <p:spPr>
-          <a:xfrm>
-            <a:off x="685800" y="4343400"/>
-            <a:ext cx="5486400" cy="4114800"/>
-          </a:xfrm>
-          <a:prstGeom prst="rect">
-            <a:avLst/>
-          </a:prstGeom>
-        </p:spPr>
-        <p:txBody>
-          <a:bodyPr spcFirstLastPara="1" wrap="square" lIns="91425" tIns="91425" rIns="91425" bIns="91425" anchor="t" anchorCtr="0">
-            <a:noAutofit/>
-          </a:bodyPr>
-          <a:lstStyle/>
-          <a:p>
-            <a:pPr marL="0" lvl="0" indent="0" algn="l" rtl="0">
-              <a:spcBef>
-                <a:spcPts val="0"/>
-              </a:spcBef>
-              <a:spcAft>
-                <a:spcPts val="0"/>
-              </a:spcAft>
-              <a:buNone/>
-            </a:pPr>
-            <a:endParaRPr/>
-          </a:p>
-        </p:txBody>
-      </p:sp>
-    </p:spTree>
-    <p:extLst>
-      <p:ext uri="{BB962C8B-B14F-4D97-AF65-F5344CB8AC3E}">
-        <p14:creationId xmlns:p14="http://schemas.microsoft.com/office/powerpoint/2010/main" val="2325396602"/>
-      </p:ext>
-    </p:extLst>
-  </p:cSld>
-  <p:clrMapOvr>
-    <a:masterClrMapping/>
-  </p:clrMapOvr>
-</p:notes>
-</file>
-
-<file path=ppt/notesSlides/notesSlide5.xml><?xml version="1.0" encoding="utf-8"?>
 <p:notes xmlns:a="http://schemas.openxmlformats.org/drawingml/2006/main" xmlns:r="http://schemas.openxmlformats.org/officeDocument/2006/relationships" xmlns:p="http://schemas.openxmlformats.org/presentationml/2006/main" showMasterSp="0" showMasterPhAnim="0">
   <p:cSld>
     <p:spTree>
@@ -18098,8 +17988,12 @@
               <a:buNone/>
             </a:pPr>
             <a:r>
+              <a:rPr lang="en"/>
+              <a:t>30 </a:t>
+            </a:r>
+            <a:r>
               <a:rPr lang="en" dirty="0"/>
-              <a:t>29 August 2024</a:t>
+              <a:t>August 2024</a:t>
             </a:r>
           </a:p>
         </p:txBody>
@@ -25933,125 +25827,6 @@
 </file>
 
 <file path=ppt/slides/slide10.xml><?xml version="1.0" encoding="utf-8"?>
-<p:sld xmlns:a="http://schemas.openxmlformats.org/drawingml/2006/main" xmlns:r="http://schemas.openxmlformats.org/officeDocument/2006/relationships" xmlns:p="http://schemas.openxmlformats.org/presentationml/2006/main">
-  <p:cSld>
-    <p:spTree>
-      <p:nvGrpSpPr>
-        <p:cNvPr id="1" name=""/>
-        <p:cNvGrpSpPr/>
-        <p:nvPr/>
-      </p:nvGrpSpPr>
-      <p:grpSpPr>
-        <a:xfrm>
-          <a:off x="0" y="0"/>
-          <a:ext cx="0" cy="0"/>
-          <a:chOff x="0" y="0"/>
-          <a:chExt cx="0" cy="0"/>
-        </a:xfrm>
-      </p:grpSpPr>
-      <p:sp>
-        <p:nvSpPr>
-          <p:cNvPr id="2" name="Subtitle 1">
-            <a:extLst>
-              <a:ext uri="{FF2B5EF4-FFF2-40B4-BE49-F238E27FC236}">
-                <a16:creationId xmlns:a16="http://schemas.microsoft.com/office/drawing/2014/main" id="{968F3F8A-1A27-44F4-41EB-35F91CB03D5D}"/>
-              </a:ext>
-            </a:extLst>
-          </p:cNvPr>
-          <p:cNvSpPr>
-            <a:spLocks noGrp="1"/>
-          </p:cNvSpPr>
-          <p:nvPr>
-            <p:ph type="subTitle" idx="1"/>
-          </p:nvPr>
-        </p:nvSpPr>
-        <p:spPr/>
-        <p:txBody>
-          <a:bodyPr/>
-          <a:lstStyle/>
-          <a:p>
-            <a:pPr marL="292100" indent="-285750">
-              <a:lnSpc>
-                <a:spcPct val="120000"/>
-              </a:lnSpc>
-              <a:buFont typeface="Arial" panose="020B0604020202020204" pitchFamily="34" charset="0"/>
-              <a:buChar char="•"/>
-            </a:pPr>
-            <a:r>
-              <a:rPr lang="en-GB" dirty="0"/>
-              <a:t>The app will focus on scaling via awareness campaigns in association with private and government healthcare providers. </a:t>
-            </a:r>
-          </a:p>
-          <a:p>
-            <a:pPr marL="292100" indent="-285750">
-              <a:lnSpc>
-                <a:spcPct val="120000"/>
-              </a:lnSpc>
-              <a:buFont typeface="Arial" panose="020B0604020202020204" pitchFamily="34" charset="0"/>
-              <a:buChar char="•"/>
-            </a:pPr>
-            <a:r>
-              <a:rPr lang="en-GB" dirty="0"/>
-              <a:t>We aim for a non-profit model with donations from government agencies and other interested parties.</a:t>
-            </a:r>
-          </a:p>
-          <a:p>
-            <a:pPr marL="292100" indent="-285750">
-              <a:lnSpc>
-                <a:spcPct val="120000"/>
-              </a:lnSpc>
-              <a:buFont typeface="Arial" panose="020B0604020202020204" pitchFamily="34" charset="0"/>
-              <a:buChar char="•"/>
-            </a:pPr>
-            <a:r>
-              <a:rPr lang="en-GB" dirty="0"/>
-              <a:t>Another stream of revenue can be a small fee for a second, deeper level of analysis for financially-resourceful users.</a:t>
-            </a:r>
-          </a:p>
-        </p:txBody>
-      </p:sp>
-      <p:sp>
-        <p:nvSpPr>
-          <p:cNvPr id="3" name="Title 2">
-            <a:extLst>
-              <a:ext uri="{FF2B5EF4-FFF2-40B4-BE49-F238E27FC236}">
-                <a16:creationId xmlns:a16="http://schemas.microsoft.com/office/drawing/2014/main" id="{8DE5A1FE-124E-B46E-5E0E-F97EB1BFE8CF}"/>
-              </a:ext>
-            </a:extLst>
-          </p:cNvPr>
-          <p:cNvSpPr>
-            <a:spLocks noGrp="1"/>
-          </p:cNvSpPr>
-          <p:nvPr>
-            <p:ph type="title"/>
-          </p:nvPr>
-        </p:nvSpPr>
-        <p:spPr/>
-        <p:txBody>
-          <a:bodyPr/>
-          <a:lstStyle/>
-          <a:p>
-            <a:r>
-              <a:rPr lang="en-GB" dirty="0"/>
-              <a:t>FEASIBILITY AND SCALABILITY</a:t>
-            </a:r>
-          </a:p>
-        </p:txBody>
-      </p:sp>
-    </p:spTree>
-    <p:extLst>
-      <p:ext uri="{BB962C8B-B14F-4D97-AF65-F5344CB8AC3E}">
-        <p14:creationId xmlns:p14="http://schemas.microsoft.com/office/powerpoint/2010/main" val="469925125"/>
-      </p:ext>
-    </p:extLst>
-  </p:cSld>
-  <p:clrMapOvr>
-    <a:masterClrMapping/>
-  </p:clrMapOvr>
-</p:sld>
-</file>
-
-<file path=ppt/slides/slide11.xml><?xml version="1.0" encoding="utf-8"?>
 <p:sld xmlns:a="http://schemas.openxmlformats.org/drawingml/2006/main" xmlns:r="http://schemas.openxmlformats.org/officeDocument/2006/relationships" xmlns:p="http://schemas.openxmlformats.org/presentationml/2006/main">
   <p:cSld>
     <p:spTree>
@@ -26170,7 +25945,7 @@
 </p:sld>
 </file>
 
-<file path=ppt/slides/slide12.xml><?xml version="1.0" encoding="utf-8"?>
+<file path=ppt/slides/slide11.xml><?xml version="1.0" encoding="utf-8"?>
 <p:sld xmlns:a="http://schemas.openxmlformats.org/drawingml/2006/main" xmlns:r="http://schemas.openxmlformats.org/officeDocument/2006/relationships" xmlns:p="http://schemas.openxmlformats.org/presentationml/2006/main">
   <p:cSld>
     <p:spTree>
@@ -30764,7 +30539,7 @@
         <p:spPr>
           <a:xfrm>
             <a:off x="1153839" y="1460502"/>
-            <a:ext cx="1440000" cy="1440000"/>
+            <a:ext cx="1260000" cy="1260000"/>
           </a:xfrm>
           <a:prstGeom prst="rect">
             <a:avLst/>
@@ -30799,7 +30574,7 @@
         <p:spPr>
           <a:xfrm>
             <a:off x="3852000" y="1460502"/>
-            <a:ext cx="1440000" cy="1440000"/>
+            <a:ext cx="1260000" cy="1260000"/>
           </a:xfrm>
           <a:prstGeom prst="rect">
             <a:avLst/>
@@ -30834,7 +30609,7 @@
         <p:spPr>
           <a:xfrm>
             <a:off x="6591811" y="1460502"/>
-            <a:ext cx="1440000" cy="1440000"/>
+            <a:ext cx="1260000" cy="1260000"/>
           </a:xfrm>
           <a:prstGeom prst="rect">
             <a:avLst/>
@@ -30985,1186 +30760,6 @@
   <p:cSld>
     <p:spTree>
       <p:nvGrpSpPr>
-        <p:cNvPr id="1" name="Shape 974"/>
-        <p:cNvGrpSpPr/>
-        <p:nvPr/>
-      </p:nvGrpSpPr>
-      <p:grpSpPr>
-        <a:xfrm>
-          <a:off x="0" y="0"/>
-          <a:ext cx="0" cy="0"/>
-          <a:chOff x="0" y="0"/>
-          <a:chExt cx="0" cy="0"/>
-        </a:xfrm>
-      </p:grpSpPr>
-      <p:grpSp>
-        <p:nvGrpSpPr>
-          <p:cNvPr id="975" name="Google Shape;975;p41"/>
-          <p:cNvGrpSpPr/>
-          <p:nvPr/>
-        </p:nvGrpSpPr>
-        <p:grpSpPr>
-          <a:xfrm>
-            <a:off x="713242" y="1350065"/>
-            <a:ext cx="823848" cy="98556"/>
-            <a:chOff x="656432" y="1229355"/>
-            <a:chExt cx="1099051" cy="159993"/>
-          </a:xfrm>
-        </p:grpSpPr>
-        <p:sp>
-          <p:nvSpPr>
-            <p:cNvPr id="976" name="Google Shape;976;p41"/>
-            <p:cNvSpPr/>
-            <p:nvPr/>
-          </p:nvSpPr>
-          <p:spPr>
-            <a:xfrm>
-              <a:off x="656432" y="1229355"/>
-              <a:ext cx="159584" cy="159993"/>
-            </a:xfrm>
-            <a:custGeom>
-              <a:avLst/>
-              <a:gdLst/>
-              <a:ahLst/>
-              <a:cxnLst/>
-              <a:rect l="l" t="t" r="r" b="b"/>
-              <a:pathLst>
-                <a:path w="787" h="789" extrusionOk="0">
-                  <a:moveTo>
-                    <a:pt x="0" y="1"/>
-                  </a:moveTo>
-                  <a:lnTo>
-                    <a:pt x="0" y="788"/>
-                  </a:lnTo>
-                  <a:lnTo>
-                    <a:pt x="787" y="788"/>
-                  </a:lnTo>
-                  <a:lnTo>
-                    <a:pt x="787" y="1"/>
-                  </a:lnTo>
-                  <a:close/>
-                </a:path>
-              </a:pathLst>
-            </a:custGeom>
-            <a:solidFill>
-              <a:schemeClr val="lt2"/>
-            </a:solidFill>
-            <a:ln>
-              <a:noFill/>
-            </a:ln>
-          </p:spPr>
-          <p:txBody>
-            <a:bodyPr spcFirstLastPara="1" wrap="square" lIns="91425" tIns="91425" rIns="91425" bIns="91425" anchor="ctr" anchorCtr="0">
-              <a:noAutofit/>
-            </a:bodyPr>
-            <a:lstStyle/>
-            <a:p>
-              <a:pPr marL="0" lvl="0" indent="0" algn="l" rtl="0">
-                <a:spcBef>
-                  <a:spcPts val="0"/>
-                </a:spcBef>
-                <a:spcAft>
-                  <a:spcPts val="0"/>
-                </a:spcAft>
-                <a:buNone/>
-              </a:pPr>
-              <a:endParaRPr/>
-            </a:p>
-          </p:txBody>
-        </p:sp>
-        <p:sp>
-          <p:nvSpPr>
-            <p:cNvPr id="977" name="Google Shape;977;p41"/>
-            <p:cNvSpPr/>
-            <p:nvPr/>
-          </p:nvSpPr>
-          <p:spPr>
-            <a:xfrm>
-              <a:off x="891046" y="1229355"/>
-              <a:ext cx="159989" cy="159993"/>
-            </a:xfrm>
-            <a:custGeom>
-              <a:avLst/>
-              <a:gdLst/>
-              <a:ahLst/>
-              <a:cxnLst/>
-              <a:rect l="l" t="t" r="r" b="b"/>
-              <a:pathLst>
-                <a:path w="789" h="789" extrusionOk="0">
-                  <a:moveTo>
-                    <a:pt x="1" y="1"/>
-                  </a:moveTo>
-                  <a:lnTo>
-                    <a:pt x="1" y="788"/>
-                  </a:lnTo>
-                  <a:lnTo>
-                    <a:pt x="788" y="788"/>
-                  </a:lnTo>
-                  <a:lnTo>
-                    <a:pt x="788" y="1"/>
-                  </a:lnTo>
-                  <a:close/>
-                </a:path>
-              </a:pathLst>
-            </a:custGeom>
-            <a:solidFill>
-              <a:schemeClr val="lt2"/>
-            </a:solidFill>
-            <a:ln>
-              <a:noFill/>
-            </a:ln>
-          </p:spPr>
-          <p:txBody>
-            <a:bodyPr spcFirstLastPara="1" wrap="square" lIns="91425" tIns="91425" rIns="91425" bIns="91425" anchor="ctr" anchorCtr="0">
-              <a:noAutofit/>
-            </a:bodyPr>
-            <a:lstStyle/>
-            <a:p>
-              <a:pPr marL="0" lvl="0" indent="0" algn="l" rtl="0">
-                <a:spcBef>
-                  <a:spcPts val="0"/>
-                </a:spcBef>
-                <a:spcAft>
-                  <a:spcPts val="0"/>
-                </a:spcAft>
-                <a:buNone/>
-              </a:pPr>
-              <a:endParaRPr/>
-            </a:p>
-          </p:txBody>
-        </p:sp>
-        <p:sp>
-          <p:nvSpPr>
-            <p:cNvPr id="978" name="Google Shape;978;p41"/>
-            <p:cNvSpPr/>
-            <p:nvPr/>
-          </p:nvSpPr>
-          <p:spPr>
-            <a:xfrm>
-              <a:off x="1126064" y="1229355"/>
-              <a:ext cx="159787" cy="159993"/>
-            </a:xfrm>
-            <a:custGeom>
-              <a:avLst/>
-              <a:gdLst/>
-              <a:ahLst/>
-              <a:cxnLst/>
-              <a:rect l="l" t="t" r="r" b="b"/>
-              <a:pathLst>
-                <a:path w="788" h="789" extrusionOk="0">
-                  <a:moveTo>
-                    <a:pt x="1" y="1"/>
-                  </a:moveTo>
-                  <a:lnTo>
-                    <a:pt x="1" y="788"/>
-                  </a:lnTo>
-                  <a:lnTo>
-                    <a:pt x="787" y="788"/>
-                  </a:lnTo>
-                  <a:lnTo>
-                    <a:pt x="787" y="1"/>
-                  </a:lnTo>
-                  <a:close/>
-                </a:path>
-              </a:pathLst>
-            </a:custGeom>
-            <a:solidFill>
-              <a:schemeClr val="lt2"/>
-            </a:solidFill>
-            <a:ln>
-              <a:noFill/>
-            </a:ln>
-          </p:spPr>
-          <p:txBody>
-            <a:bodyPr spcFirstLastPara="1" wrap="square" lIns="91425" tIns="91425" rIns="91425" bIns="91425" anchor="ctr" anchorCtr="0">
-              <a:noAutofit/>
-            </a:bodyPr>
-            <a:lstStyle/>
-            <a:p>
-              <a:pPr marL="0" lvl="0" indent="0" algn="l" rtl="0">
-                <a:spcBef>
-                  <a:spcPts val="0"/>
-                </a:spcBef>
-                <a:spcAft>
-                  <a:spcPts val="0"/>
-                </a:spcAft>
-                <a:buNone/>
-              </a:pPr>
-              <a:endParaRPr/>
-            </a:p>
-          </p:txBody>
-        </p:sp>
-        <p:sp>
-          <p:nvSpPr>
-            <p:cNvPr id="979" name="Google Shape;979;p41"/>
-            <p:cNvSpPr/>
-            <p:nvPr/>
-          </p:nvSpPr>
-          <p:spPr>
-            <a:xfrm>
-              <a:off x="1360880" y="1229355"/>
-              <a:ext cx="159787" cy="159993"/>
-            </a:xfrm>
-            <a:custGeom>
-              <a:avLst/>
-              <a:gdLst/>
-              <a:ahLst/>
-              <a:cxnLst/>
-              <a:rect l="l" t="t" r="r" b="b"/>
-              <a:pathLst>
-                <a:path w="788" h="789" extrusionOk="0">
-                  <a:moveTo>
-                    <a:pt x="0" y="1"/>
-                  </a:moveTo>
-                  <a:lnTo>
-                    <a:pt x="0" y="788"/>
-                  </a:lnTo>
-                  <a:lnTo>
-                    <a:pt x="788" y="788"/>
-                  </a:lnTo>
-                  <a:lnTo>
-                    <a:pt x="788" y="1"/>
-                  </a:lnTo>
-                  <a:close/>
-                </a:path>
-              </a:pathLst>
-            </a:custGeom>
-            <a:solidFill>
-              <a:schemeClr val="lt1"/>
-            </a:solidFill>
-            <a:ln>
-              <a:noFill/>
-            </a:ln>
-          </p:spPr>
-          <p:txBody>
-            <a:bodyPr spcFirstLastPara="1" wrap="square" lIns="91425" tIns="91425" rIns="91425" bIns="91425" anchor="ctr" anchorCtr="0">
-              <a:noAutofit/>
-            </a:bodyPr>
-            <a:lstStyle/>
-            <a:p>
-              <a:pPr marL="0" lvl="0" indent="0" algn="l" rtl="0">
-                <a:spcBef>
-                  <a:spcPts val="0"/>
-                </a:spcBef>
-                <a:spcAft>
-                  <a:spcPts val="0"/>
-                </a:spcAft>
-                <a:buNone/>
-              </a:pPr>
-              <a:endParaRPr/>
-            </a:p>
-          </p:txBody>
-        </p:sp>
-        <p:sp>
-          <p:nvSpPr>
-            <p:cNvPr id="980" name="Google Shape;980;p41"/>
-            <p:cNvSpPr/>
-            <p:nvPr/>
-          </p:nvSpPr>
-          <p:spPr>
-            <a:xfrm>
-              <a:off x="1595696" y="1229355"/>
-              <a:ext cx="159787" cy="159993"/>
-            </a:xfrm>
-            <a:custGeom>
-              <a:avLst/>
-              <a:gdLst/>
-              <a:ahLst/>
-              <a:cxnLst/>
-              <a:rect l="l" t="t" r="r" b="b"/>
-              <a:pathLst>
-                <a:path w="788" h="789" extrusionOk="0">
-                  <a:moveTo>
-                    <a:pt x="1" y="1"/>
-                  </a:moveTo>
-                  <a:lnTo>
-                    <a:pt x="1" y="788"/>
-                  </a:lnTo>
-                  <a:lnTo>
-                    <a:pt x="788" y="788"/>
-                  </a:lnTo>
-                  <a:lnTo>
-                    <a:pt x="788" y="1"/>
-                  </a:lnTo>
-                  <a:close/>
-                </a:path>
-              </a:pathLst>
-            </a:custGeom>
-            <a:solidFill>
-              <a:schemeClr val="lt1"/>
-            </a:solidFill>
-            <a:ln>
-              <a:noFill/>
-            </a:ln>
-          </p:spPr>
-          <p:txBody>
-            <a:bodyPr spcFirstLastPara="1" wrap="square" lIns="91425" tIns="91425" rIns="91425" bIns="91425" anchor="ctr" anchorCtr="0">
-              <a:noAutofit/>
-            </a:bodyPr>
-            <a:lstStyle/>
-            <a:p>
-              <a:pPr marL="0" lvl="0" indent="0" algn="l" rtl="0">
-                <a:spcBef>
-                  <a:spcPts val="0"/>
-                </a:spcBef>
-                <a:spcAft>
-                  <a:spcPts val="0"/>
-                </a:spcAft>
-                <a:buNone/>
-              </a:pPr>
-              <a:endParaRPr/>
-            </a:p>
-          </p:txBody>
-        </p:sp>
-      </p:grpSp>
-      <p:grpSp>
-        <p:nvGrpSpPr>
-          <p:cNvPr id="981" name="Google Shape;981;p41"/>
-          <p:cNvGrpSpPr/>
-          <p:nvPr/>
-        </p:nvGrpSpPr>
-        <p:grpSpPr>
-          <a:xfrm>
-            <a:off x="682005" y="596079"/>
-            <a:ext cx="886328" cy="98550"/>
-            <a:chOff x="946406" y="423525"/>
-            <a:chExt cx="540708" cy="60121"/>
-          </a:xfrm>
-        </p:grpSpPr>
-        <p:sp>
-          <p:nvSpPr>
-            <p:cNvPr id="982" name="Google Shape;982;p41"/>
-            <p:cNvSpPr/>
-            <p:nvPr/>
-          </p:nvSpPr>
-          <p:spPr>
-            <a:xfrm>
-              <a:off x="946406" y="428597"/>
-              <a:ext cx="50100" cy="50101"/>
-            </a:xfrm>
-            <a:custGeom>
-              <a:avLst/>
-              <a:gdLst/>
-              <a:ahLst/>
-              <a:cxnLst/>
-              <a:rect l="l" t="t" r="r" b="b"/>
-              <a:pathLst>
-                <a:path w="405" h="405" extrusionOk="0">
-                  <a:moveTo>
-                    <a:pt x="202" y="0"/>
-                  </a:moveTo>
-                  <a:cubicBezTo>
-                    <a:pt x="90" y="0"/>
-                    <a:pt x="0" y="91"/>
-                    <a:pt x="0" y="203"/>
-                  </a:cubicBezTo>
-                  <a:cubicBezTo>
-                    <a:pt x="0" y="314"/>
-                    <a:pt x="90" y="404"/>
-                    <a:pt x="202" y="404"/>
-                  </a:cubicBezTo>
-                  <a:cubicBezTo>
-                    <a:pt x="314" y="404"/>
-                    <a:pt x="404" y="314"/>
-                    <a:pt x="404" y="203"/>
-                  </a:cubicBezTo>
-                  <a:cubicBezTo>
-                    <a:pt x="404" y="91"/>
-                    <a:pt x="314" y="0"/>
-                    <a:pt x="202" y="0"/>
-                  </a:cubicBezTo>
-                  <a:close/>
-                </a:path>
-              </a:pathLst>
-            </a:custGeom>
-            <a:solidFill>
-              <a:schemeClr val="accent1"/>
-            </a:solidFill>
-            <a:ln>
-              <a:noFill/>
-            </a:ln>
-          </p:spPr>
-          <p:txBody>
-            <a:bodyPr spcFirstLastPara="1" wrap="square" lIns="91425" tIns="91425" rIns="91425" bIns="91425" anchor="ctr" anchorCtr="0">
-              <a:noAutofit/>
-            </a:bodyPr>
-            <a:lstStyle/>
-            <a:p>
-              <a:pPr marL="0" lvl="0" indent="0" algn="l" rtl="0">
-                <a:spcBef>
-                  <a:spcPts val="0"/>
-                </a:spcBef>
-                <a:spcAft>
-                  <a:spcPts val="0"/>
-                </a:spcAft>
-                <a:buNone/>
-              </a:pPr>
-              <a:endParaRPr/>
-            </a:p>
-          </p:txBody>
-        </p:sp>
-        <p:sp>
-          <p:nvSpPr>
-            <p:cNvPr id="983" name="Google Shape;983;p41"/>
-            <p:cNvSpPr/>
-            <p:nvPr/>
-          </p:nvSpPr>
-          <p:spPr>
-            <a:xfrm>
-              <a:off x="1039555" y="423525"/>
-              <a:ext cx="59996" cy="60121"/>
-            </a:xfrm>
-            <a:custGeom>
-              <a:avLst/>
-              <a:gdLst/>
-              <a:ahLst/>
-              <a:cxnLst/>
-              <a:rect l="l" t="t" r="r" b="b"/>
-              <a:pathLst>
-                <a:path w="485" h="486" extrusionOk="0">
-                  <a:moveTo>
-                    <a:pt x="243" y="81"/>
-                  </a:moveTo>
-                  <a:cubicBezTo>
-                    <a:pt x="332" y="81"/>
-                    <a:pt x="404" y="154"/>
-                    <a:pt x="404" y="244"/>
-                  </a:cubicBezTo>
-                  <a:cubicBezTo>
-                    <a:pt x="404" y="333"/>
-                    <a:pt x="332" y="405"/>
-                    <a:pt x="243" y="405"/>
-                  </a:cubicBezTo>
-                  <a:cubicBezTo>
-                    <a:pt x="153" y="405"/>
-                    <a:pt x="80" y="333"/>
-                    <a:pt x="80" y="244"/>
-                  </a:cubicBezTo>
-                  <a:cubicBezTo>
-                    <a:pt x="80" y="154"/>
-                    <a:pt x="153" y="81"/>
-                    <a:pt x="243" y="81"/>
-                  </a:cubicBezTo>
-                  <a:close/>
-                  <a:moveTo>
-                    <a:pt x="243" y="1"/>
-                  </a:moveTo>
-                  <a:cubicBezTo>
-                    <a:pt x="109" y="1"/>
-                    <a:pt x="1" y="110"/>
-                    <a:pt x="1" y="244"/>
-                  </a:cubicBezTo>
-                  <a:cubicBezTo>
-                    <a:pt x="1" y="376"/>
-                    <a:pt x="109" y="486"/>
-                    <a:pt x="243" y="486"/>
-                  </a:cubicBezTo>
-                  <a:cubicBezTo>
-                    <a:pt x="376" y="486"/>
-                    <a:pt x="484" y="376"/>
-                    <a:pt x="484" y="244"/>
-                  </a:cubicBezTo>
-                  <a:cubicBezTo>
-                    <a:pt x="484" y="110"/>
-                    <a:pt x="376" y="1"/>
-                    <a:pt x="243" y="1"/>
-                  </a:cubicBezTo>
-                  <a:close/>
-                </a:path>
-              </a:pathLst>
-            </a:custGeom>
-            <a:solidFill>
-              <a:schemeClr val="accent1"/>
-            </a:solidFill>
-            <a:ln>
-              <a:noFill/>
-            </a:ln>
-          </p:spPr>
-          <p:txBody>
-            <a:bodyPr spcFirstLastPara="1" wrap="square" lIns="91425" tIns="91425" rIns="91425" bIns="91425" anchor="ctr" anchorCtr="0">
-              <a:noAutofit/>
-            </a:bodyPr>
-            <a:lstStyle/>
-            <a:p>
-              <a:pPr marL="0" lvl="0" indent="0" algn="l" rtl="0">
-                <a:spcBef>
-                  <a:spcPts val="0"/>
-                </a:spcBef>
-                <a:spcAft>
-                  <a:spcPts val="0"/>
-                </a:spcAft>
-                <a:buNone/>
-              </a:pPr>
-              <a:endParaRPr/>
-            </a:p>
-          </p:txBody>
-        </p:sp>
-        <p:sp>
-          <p:nvSpPr>
-            <p:cNvPr id="984" name="Google Shape;984;p41"/>
-            <p:cNvSpPr/>
-            <p:nvPr/>
-          </p:nvSpPr>
-          <p:spPr>
-            <a:xfrm>
-              <a:off x="1142600" y="428597"/>
-              <a:ext cx="50100" cy="50101"/>
-            </a:xfrm>
-            <a:custGeom>
-              <a:avLst/>
-              <a:gdLst/>
-              <a:ahLst/>
-              <a:cxnLst/>
-              <a:rect l="l" t="t" r="r" b="b"/>
-              <a:pathLst>
-                <a:path w="405" h="405" extrusionOk="0">
-                  <a:moveTo>
-                    <a:pt x="202" y="0"/>
-                  </a:moveTo>
-                  <a:cubicBezTo>
-                    <a:pt x="91" y="0"/>
-                    <a:pt x="1" y="91"/>
-                    <a:pt x="1" y="203"/>
-                  </a:cubicBezTo>
-                  <a:cubicBezTo>
-                    <a:pt x="1" y="314"/>
-                    <a:pt x="91" y="404"/>
-                    <a:pt x="202" y="404"/>
-                  </a:cubicBezTo>
-                  <a:cubicBezTo>
-                    <a:pt x="314" y="404"/>
-                    <a:pt x="405" y="314"/>
-                    <a:pt x="405" y="203"/>
-                  </a:cubicBezTo>
-                  <a:cubicBezTo>
-                    <a:pt x="405" y="91"/>
-                    <a:pt x="314" y="0"/>
-                    <a:pt x="202" y="0"/>
-                  </a:cubicBezTo>
-                  <a:close/>
-                </a:path>
-              </a:pathLst>
-            </a:custGeom>
-            <a:solidFill>
-              <a:schemeClr val="accent1"/>
-            </a:solidFill>
-            <a:ln>
-              <a:noFill/>
-            </a:ln>
-          </p:spPr>
-          <p:txBody>
-            <a:bodyPr spcFirstLastPara="1" wrap="square" lIns="91425" tIns="91425" rIns="91425" bIns="91425" anchor="ctr" anchorCtr="0">
-              <a:noAutofit/>
-            </a:bodyPr>
-            <a:lstStyle/>
-            <a:p>
-              <a:pPr marL="0" lvl="0" indent="0" algn="l" rtl="0">
-                <a:spcBef>
-                  <a:spcPts val="0"/>
-                </a:spcBef>
-                <a:spcAft>
-                  <a:spcPts val="0"/>
-                </a:spcAft>
-                <a:buNone/>
-              </a:pPr>
-              <a:endParaRPr/>
-            </a:p>
-          </p:txBody>
-        </p:sp>
-        <p:sp>
-          <p:nvSpPr>
-            <p:cNvPr id="985" name="Google Shape;985;p41"/>
-            <p:cNvSpPr/>
-            <p:nvPr/>
-          </p:nvSpPr>
-          <p:spPr>
-            <a:xfrm>
-              <a:off x="1240697" y="428597"/>
-              <a:ext cx="50100" cy="50101"/>
-            </a:xfrm>
-            <a:custGeom>
-              <a:avLst/>
-              <a:gdLst/>
-              <a:ahLst/>
-              <a:cxnLst/>
-              <a:rect l="l" t="t" r="r" b="b"/>
-              <a:pathLst>
-                <a:path w="405" h="405" extrusionOk="0">
-                  <a:moveTo>
-                    <a:pt x="203" y="0"/>
-                  </a:moveTo>
-                  <a:cubicBezTo>
-                    <a:pt x="91" y="0"/>
-                    <a:pt x="0" y="91"/>
-                    <a:pt x="0" y="203"/>
-                  </a:cubicBezTo>
-                  <a:cubicBezTo>
-                    <a:pt x="0" y="314"/>
-                    <a:pt x="91" y="404"/>
-                    <a:pt x="203" y="404"/>
-                  </a:cubicBezTo>
-                  <a:cubicBezTo>
-                    <a:pt x="315" y="404"/>
-                    <a:pt x="405" y="314"/>
-                    <a:pt x="405" y="203"/>
-                  </a:cubicBezTo>
-                  <a:cubicBezTo>
-                    <a:pt x="405" y="91"/>
-                    <a:pt x="315" y="0"/>
-                    <a:pt x="203" y="0"/>
-                  </a:cubicBezTo>
-                  <a:close/>
-                </a:path>
-              </a:pathLst>
-            </a:custGeom>
-            <a:solidFill>
-              <a:schemeClr val="accent1"/>
-            </a:solidFill>
-            <a:ln>
-              <a:noFill/>
-            </a:ln>
-          </p:spPr>
-          <p:txBody>
-            <a:bodyPr spcFirstLastPara="1" wrap="square" lIns="91425" tIns="91425" rIns="91425" bIns="91425" anchor="ctr" anchorCtr="0">
-              <a:noAutofit/>
-            </a:bodyPr>
-            <a:lstStyle/>
-            <a:p>
-              <a:pPr marL="0" lvl="0" indent="0" algn="l" rtl="0">
-                <a:spcBef>
-                  <a:spcPts val="0"/>
-                </a:spcBef>
-                <a:spcAft>
-                  <a:spcPts val="0"/>
-                </a:spcAft>
-                <a:buNone/>
-              </a:pPr>
-              <a:endParaRPr/>
-            </a:p>
-          </p:txBody>
-        </p:sp>
-        <p:sp>
-          <p:nvSpPr>
-            <p:cNvPr id="986" name="Google Shape;986;p41"/>
-            <p:cNvSpPr/>
-            <p:nvPr/>
-          </p:nvSpPr>
-          <p:spPr>
-            <a:xfrm>
-              <a:off x="1338918" y="428597"/>
-              <a:ext cx="50100" cy="50101"/>
-            </a:xfrm>
-            <a:custGeom>
-              <a:avLst/>
-              <a:gdLst/>
-              <a:ahLst/>
-              <a:cxnLst/>
-              <a:rect l="l" t="t" r="r" b="b"/>
-              <a:pathLst>
-                <a:path w="405" h="405" extrusionOk="0">
-                  <a:moveTo>
-                    <a:pt x="202" y="0"/>
-                  </a:moveTo>
-                  <a:cubicBezTo>
-                    <a:pt x="91" y="0"/>
-                    <a:pt x="0" y="91"/>
-                    <a:pt x="0" y="203"/>
-                  </a:cubicBezTo>
-                  <a:cubicBezTo>
-                    <a:pt x="0" y="314"/>
-                    <a:pt x="91" y="404"/>
-                    <a:pt x="202" y="404"/>
-                  </a:cubicBezTo>
-                  <a:cubicBezTo>
-                    <a:pt x="314" y="404"/>
-                    <a:pt x="404" y="314"/>
-                    <a:pt x="404" y="203"/>
-                  </a:cubicBezTo>
-                  <a:cubicBezTo>
-                    <a:pt x="404" y="91"/>
-                    <a:pt x="314" y="0"/>
-                    <a:pt x="202" y="0"/>
-                  </a:cubicBezTo>
-                  <a:close/>
-                </a:path>
-              </a:pathLst>
-            </a:custGeom>
-            <a:solidFill>
-              <a:schemeClr val="accent1"/>
-            </a:solidFill>
-            <a:ln>
-              <a:noFill/>
-            </a:ln>
-          </p:spPr>
-          <p:txBody>
-            <a:bodyPr spcFirstLastPara="1" wrap="square" lIns="91425" tIns="91425" rIns="91425" bIns="91425" anchor="ctr" anchorCtr="0">
-              <a:noAutofit/>
-            </a:bodyPr>
-            <a:lstStyle/>
-            <a:p>
-              <a:pPr marL="0" lvl="0" indent="0" algn="l" rtl="0">
-                <a:spcBef>
-                  <a:spcPts val="0"/>
-                </a:spcBef>
-                <a:spcAft>
-                  <a:spcPts val="0"/>
-                </a:spcAft>
-                <a:buNone/>
-              </a:pPr>
-              <a:endParaRPr/>
-            </a:p>
-          </p:txBody>
-        </p:sp>
-        <p:sp>
-          <p:nvSpPr>
-            <p:cNvPr id="987" name="Google Shape;987;p41"/>
-            <p:cNvSpPr/>
-            <p:nvPr/>
-          </p:nvSpPr>
-          <p:spPr>
-            <a:xfrm>
-              <a:off x="1436891" y="428597"/>
-              <a:ext cx="50223" cy="50101"/>
-            </a:xfrm>
-            <a:custGeom>
-              <a:avLst/>
-              <a:gdLst/>
-              <a:ahLst/>
-              <a:cxnLst/>
-              <a:rect l="l" t="t" r="r" b="b"/>
-              <a:pathLst>
-                <a:path w="406" h="405" extrusionOk="0">
-                  <a:moveTo>
-                    <a:pt x="204" y="0"/>
-                  </a:moveTo>
-                  <a:cubicBezTo>
-                    <a:pt x="92" y="0"/>
-                    <a:pt x="1" y="91"/>
-                    <a:pt x="1" y="203"/>
-                  </a:cubicBezTo>
-                  <a:cubicBezTo>
-                    <a:pt x="1" y="314"/>
-                    <a:pt x="92" y="404"/>
-                    <a:pt x="204" y="404"/>
-                  </a:cubicBezTo>
-                  <a:cubicBezTo>
-                    <a:pt x="315" y="404"/>
-                    <a:pt x="405" y="314"/>
-                    <a:pt x="405" y="203"/>
-                  </a:cubicBezTo>
-                  <a:cubicBezTo>
-                    <a:pt x="405" y="91"/>
-                    <a:pt x="315" y="0"/>
-                    <a:pt x="204" y="0"/>
-                  </a:cubicBezTo>
-                  <a:close/>
-                </a:path>
-              </a:pathLst>
-            </a:custGeom>
-            <a:solidFill>
-              <a:schemeClr val="accent1"/>
-            </a:solidFill>
-            <a:ln>
-              <a:noFill/>
-            </a:ln>
-          </p:spPr>
-          <p:txBody>
-            <a:bodyPr spcFirstLastPara="1" wrap="square" lIns="91425" tIns="91425" rIns="91425" bIns="91425" anchor="ctr" anchorCtr="0">
-              <a:noAutofit/>
-            </a:bodyPr>
-            <a:lstStyle/>
-            <a:p>
-              <a:pPr marL="0" lvl="0" indent="0" algn="l" rtl="0">
-                <a:spcBef>
-                  <a:spcPts val="0"/>
-                </a:spcBef>
-                <a:spcAft>
-                  <a:spcPts val="0"/>
-                </a:spcAft>
-                <a:buNone/>
-              </a:pPr>
-              <a:endParaRPr/>
-            </a:p>
-          </p:txBody>
-        </p:sp>
-      </p:grpSp>
-      <p:grpSp>
-        <p:nvGrpSpPr>
-          <p:cNvPr id="988" name="Google Shape;988;p41"/>
-          <p:cNvGrpSpPr/>
-          <p:nvPr/>
-        </p:nvGrpSpPr>
-        <p:grpSpPr>
-          <a:xfrm>
-            <a:off x="-793250" y="498431"/>
-            <a:ext cx="5470820" cy="471772"/>
-            <a:chOff x="-793250" y="498431"/>
-            <a:chExt cx="5470820" cy="471772"/>
-          </a:xfrm>
-        </p:grpSpPr>
-        <p:sp>
-          <p:nvSpPr>
-            <p:cNvPr id="989" name="Google Shape;989;p41"/>
-            <p:cNvSpPr/>
-            <p:nvPr/>
-          </p:nvSpPr>
-          <p:spPr>
-            <a:xfrm>
-              <a:off x="-793250" y="539498"/>
-              <a:ext cx="5438426" cy="430705"/>
-            </a:xfrm>
-            <a:custGeom>
-              <a:avLst/>
-              <a:gdLst/>
-              <a:ahLst/>
-              <a:cxnLst/>
-              <a:rect l="l" t="t" r="r" b="b"/>
-              <a:pathLst>
-                <a:path w="26820" h="2124" extrusionOk="0">
-                  <a:moveTo>
-                    <a:pt x="26762" y="1"/>
-                  </a:moveTo>
-                  <a:lnTo>
-                    <a:pt x="24720" y="2043"/>
-                  </a:lnTo>
-                  <a:lnTo>
-                    <a:pt x="0" y="2043"/>
-                  </a:lnTo>
-                  <a:lnTo>
-                    <a:pt x="0" y="2123"/>
-                  </a:lnTo>
-                  <a:lnTo>
-                    <a:pt x="24753" y="2123"/>
-                  </a:lnTo>
-                  <a:lnTo>
-                    <a:pt x="26819" y="58"/>
-                  </a:lnTo>
-                  <a:lnTo>
-                    <a:pt x="26762" y="1"/>
-                  </a:lnTo>
-                  <a:close/>
-                </a:path>
-              </a:pathLst>
-            </a:custGeom>
-            <a:solidFill>
-              <a:schemeClr val="lt2"/>
-            </a:solidFill>
-            <a:ln>
-              <a:noFill/>
-            </a:ln>
-          </p:spPr>
-          <p:txBody>
-            <a:bodyPr spcFirstLastPara="1" wrap="square" lIns="91425" tIns="91425" rIns="91425" bIns="91425" anchor="ctr" anchorCtr="0">
-              <a:noAutofit/>
-            </a:bodyPr>
-            <a:lstStyle/>
-            <a:p>
-              <a:pPr marL="0" lvl="0" indent="0" algn="l" rtl="0">
-                <a:spcBef>
-                  <a:spcPts val="0"/>
-                </a:spcBef>
-                <a:spcAft>
-                  <a:spcPts val="0"/>
-                </a:spcAft>
-                <a:buNone/>
-              </a:pPr>
-              <a:endParaRPr/>
-            </a:p>
-          </p:txBody>
-        </p:sp>
-        <p:sp>
-          <p:nvSpPr>
-            <p:cNvPr id="990" name="Google Shape;990;p41"/>
-            <p:cNvSpPr/>
-            <p:nvPr/>
-          </p:nvSpPr>
-          <p:spPr>
-            <a:xfrm>
-              <a:off x="4595447" y="498431"/>
-              <a:ext cx="82123" cy="82125"/>
-            </a:xfrm>
-            <a:custGeom>
-              <a:avLst/>
-              <a:gdLst/>
-              <a:ahLst/>
-              <a:cxnLst/>
-              <a:rect l="l" t="t" r="r" b="b"/>
-              <a:pathLst>
-                <a:path w="405" h="405" extrusionOk="0">
-                  <a:moveTo>
-                    <a:pt x="202" y="0"/>
-                  </a:moveTo>
-                  <a:cubicBezTo>
-                    <a:pt x="91" y="0"/>
-                    <a:pt x="0" y="91"/>
-                    <a:pt x="0" y="203"/>
-                  </a:cubicBezTo>
-                  <a:cubicBezTo>
-                    <a:pt x="0" y="314"/>
-                    <a:pt x="91" y="404"/>
-                    <a:pt x="202" y="404"/>
-                  </a:cubicBezTo>
-                  <a:cubicBezTo>
-                    <a:pt x="314" y="404"/>
-                    <a:pt x="404" y="314"/>
-                    <a:pt x="404" y="203"/>
-                  </a:cubicBezTo>
-                  <a:cubicBezTo>
-                    <a:pt x="404" y="91"/>
-                    <a:pt x="314" y="0"/>
-                    <a:pt x="202" y="0"/>
-                  </a:cubicBezTo>
-                  <a:close/>
-                </a:path>
-              </a:pathLst>
-            </a:custGeom>
-            <a:solidFill>
-              <a:schemeClr val="lt2"/>
-            </a:solidFill>
-            <a:ln>
-              <a:noFill/>
-            </a:ln>
-          </p:spPr>
-          <p:txBody>
-            <a:bodyPr spcFirstLastPara="1" wrap="square" lIns="91425" tIns="91425" rIns="91425" bIns="91425" anchor="ctr" anchorCtr="0">
-              <a:noAutofit/>
-            </a:bodyPr>
-            <a:lstStyle/>
-            <a:p>
-              <a:pPr marL="0" lvl="0" indent="0" algn="l" rtl="0">
-                <a:spcBef>
-                  <a:spcPts val="0"/>
-                </a:spcBef>
-                <a:spcAft>
-                  <a:spcPts val="0"/>
-                </a:spcAft>
-                <a:buNone/>
-              </a:pPr>
-              <a:endParaRPr/>
-            </a:p>
-          </p:txBody>
-        </p:sp>
-      </p:grpSp>
-      <p:grpSp>
-        <p:nvGrpSpPr>
-          <p:cNvPr id="991" name="Google Shape;991;p41"/>
-          <p:cNvGrpSpPr/>
-          <p:nvPr/>
-        </p:nvGrpSpPr>
-        <p:grpSpPr>
-          <a:xfrm>
-            <a:off x="-664689" y="760856"/>
-            <a:ext cx="5889584" cy="367313"/>
-            <a:chOff x="-664689" y="760856"/>
-            <a:chExt cx="5889584" cy="367313"/>
-          </a:xfrm>
-        </p:grpSpPr>
-        <p:sp>
-          <p:nvSpPr>
-            <p:cNvPr id="992" name="Google Shape;992;p41"/>
-            <p:cNvSpPr/>
-            <p:nvPr/>
-          </p:nvSpPr>
-          <p:spPr>
-            <a:xfrm>
-              <a:off x="-664689" y="795812"/>
-              <a:ext cx="5840326" cy="332356"/>
-            </a:xfrm>
-            <a:custGeom>
-              <a:avLst/>
-              <a:gdLst/>
-              <a:ahLst/>
-              <a:cxnLst/>
-              <a:rect l="l" t="t" r="r" b="b"/>
-              <a:pathLst>
-                <a:path w="28802" h="1639" extrusionOk="0">
-                  <a:moveTo>
-                    <a:pt x="26073" y="0"/>
-                  </a:moveTo>
-                  <a:lnTo>
-                    <a:pt x="24516" y="1558"/>
-                  </a:lnTo>
-                  <a:lnTo>
-                    <a:pt x="1" y="1558"/>
-                  </a:lnTo>
-                  <a:lnTo>
-                    <a:pt x="1" y="1638"/>
-                  </a:lnTo>
-                  <a:lnTo>
-                    <a:pt x="24549" y="1638"/>
-                  </a:lnTo>
-                  <a:lnTo>
-                    <a:pt x="26107" y="81"/>
-                  </a:lnTo>
-                  <a:lnTo>
-                    <a:pt x="28802" y="81"/>
-                  </a:lnTo>
-                  <a:lnTo>
-                    <a:pt x="28802" y="0"/>
-                  </a:lnTo>
-                  <a:close/>
-                </a:path>
-              </a:pathLst>
-            </a:custGeom>
-            <a:solidFill>
-              <a:schemeClr val="accent2"/>
-            </a:solidFill>
-            <a:ln>
-              <a:noFill/>
-            </a:ln>
-          </p:spPr>
-          <p:txBody>
-            <a:bodyPr spcFirstLastPara="1" wrap="square" lIns="91425" tIns="91425" rIns="91425" bIns="91425" anchor="ctr" anchorCtr="0">
-              <a:noAutofit/>
-            </a:bodyPr>
-            <a:lstStyle/>
-            <a:p>
-              <a:pPr marL="0" lvl="0" indent="0" algn="l" rtl="0">
-                <a:spcBef>
-                  <a:spcPts val="0"/>
-                </a:spcBef>
-                <a:spcAft>
-                  <a:spcPts val="0"/>
-                </a:spcAft>
-                <a:buNone/>
-              </a:pPr>
-              <a:endParaRPr/>
-            </a:p>
-          </p:txBody>
-        </p:sp>
-        <p:sp>
-          <p:nvSpPr>
-            <p:cNvPr id="993" name="Google Shape;993;p41"/>
-            <p:cNvSpPr/>
-            <p:nvPr/>
-          </p:nvSpPr>
-          <p:spPr>
-            <a:xfrm>
-              <a:off x="5142772" y="760856"/>
-              <a:ext cx="82123" cy="82125"/>
-            </a:xfrm>
-            <a:custGeom>
-              <a:avLst/>
-              <a:gdLst/>
-              <a:ahLst/>
-              <a:cxnLst/>
-              <a:rect l="l" t="t" r="r" b="b"/>
-              <a:pathLst>
-                <a:path w="405" h="405" extrusionOk="0">
-                  <a:moveTo>
-                    <a:pt x="202" y="0"/>
-                  </a:moveTo>
-                  <a:cubicBezTo>
-                    <a:pt x="91" y="0"/>
-                    <a:pt x="0" y="91"/>
-                    <a:pt x="0" y="203"/>
-                  </a:cubicBezTo>
-                  <a:cubicBezTo>
-                    <a:pt x="0" y="314"/>
-                    <a:pt x="91" y="404"/>
-                    <a:pt x="202" y="404"/>
-                  </a:cubicBezTo>
-                  <a:cubicBezTo>
-                    <a:pt x="314" y="404"/>
-                    <a:pt x="404" y="314"/>
-                    <a:pt x="404" y="203"/>
-                  </a:cubicBezTo>
-                  <a:cubicBezTo>
-                    <a:pt x="404" y="91"/>
-                    <a:pt x="314" y="0"/>
-                    <a:pt x="202" y="0"/>
-                  </a:cubicBezTo>
-                  <a:close/>
-                </a:path>
-              </a:pathLst>
-            </a:custGeom>
-            <a:solidFill>
-              <a:schemeClr val="accent2"/>
-            </a:solidFill>
-            <a:ln>
-              <a:noFill/>
-            </a:ln>
-          </p:spPr>
-          <p:txBody>
-            <a:bodyPr spcFirstLastPara="1" wrap="square" lIns="91425" tIns="91425" rIns="91425" bIns="91425" anchor="ctr" anchorCtr="0">
-              <a:noAutofit/>
-            </a:bodyPr>
-            <a:lstStyle/>
-            <a:p>
-              <a:pPr marL="0" lvl="0" indent="0" algn="l" rtl="0">
-                <a:spcBef>
-                  <a:spcPts val="0"/>
-                </a:spcBef>
-                <a:spcAft>
-                  <a:spcPts val="0"/>
-                </a:spcAft>
-                <a:buNone/>
-              </a:pPr>
-              <a:endParaRPr/>
-            </a:p>
-          </p:txBody>
-        </p:sp>
-      </p:grpSp>
-      <p:sp>
-        <p:nvSpPr>
-          <p:cNvPr id="994" name="Google Shape;994;p41"/>
-          <p:cNvSpPr txBox="1">
-            <a:spLocks noGrp="1"/>
-          </p:cNvSpPr>
-          <p:nvPr>
-            <p:ph type="title"/>
-          </p:nvPr>
-        </p:nvSpPr>
-        <p:spPr>
-          <a:xfrm>
-            <a:off x="1146650" y="2101375"/>
-            <a:ext cx="6850800" cy="559500"/>
-          </a:xfrm>
-          <a:prstGeom prst="rect">
-            <a:avLst/>
-          </a:prstGeom>
-        </p:spPr>
-        <p:txBody>
-          <a:bodyPr spcFirstLastPara="1" wrap="square" lIns="91425" tIns="91425" rIns="91425" bIns="91425" anchor="ctr" anchorCtr="0">
-            <a:noAutofit/>
-          </a:bodyPr>
-          <a:lstStyle/>
-          <a:p>
-            <a:pPr marL="0" lvl="0" indent="0" algn="ctr" rtl="0">
-              <a:spcBef>
-                <a:spcPts val="0"/>
-              </a:spcBef>
-              <a:spcAft>
-                <a:spcPts val="0"/>
-              </a:spcAft>
-              <a:buNone/>
-            </a:pPr>
-            <a:r>
-              <a:rPr lang="en" dirty="0"/>
-              <a:t>TARGET AUDIENCE</a:t>
-            </a:r>
-            <a:endParaRPr dirty="0"/>
-          </a:p>
-        </p:txBody>
-      </p:sp>
-    </p:spTree>
-    <p:extLst>
-      <p:ext uri="{BB962C8B-B14F-4D97-AF65-F5344CB8AC3E}">
-        <p14:creationId xmlns:p14="http://schemas.microsoft.com/office/powerpoint/2010/main" val="2011588270"/>
-      </p:ext>
-    </p:extLst>
-  </p:cSld>
-  <p:clrMapOvr>
-    <a:masterClrMapping/>
-  </p:clrMapOvr>
-</p:sld>
-</file>
-
-<file path=ppt/slides/slide9.xml><?xml version="1.0" encoding="utf-8"?>
-<p:sld xmlns:a="http://schemas.openxmlformats.org/drawingml/2006/main" xmlns:r="http://schemas.openxmlformats.org/officeDocument/2006/relationships" xmlns:p="http://schemas.openxmlformats.org/presentationml/2006/main">
-  <p:cSld>
-    <p:spTree>
-      <p:nvGrpSpPr>
         <p:cNvPr id="1" name=""/>
         <p:cNvGrpSpPr/>
         <p:nvPr/>
@@ -32283,6 +30878,125 @@
     <p:extLst>
       <p:ext uri="{BB962C8B-B14F-4D97-AF65-F5344CB8AC3E}">
         <p14:creationId xmlns:p14="http://schemas.microsoft.com/office/powerpoint/2010/main" val="31921276"/>
+      </p:ext>
+    </p:extLst>
+  </p:cSld>
+  <p:clrMapOvr>
+    <a:masterClrMapping/>
+  </p:clrMapOvr>
+</p:sld>
+</file>
+
+<file path=ppt/slides/slide9.xml><?xml version="1.0" encoding="utf-8"?>
+<p:sld xmlns:a="http://schemas.openxmlformats.org/drawingml/2006/main" xmlns:r="http://schemas.openxmlformats.org/officeDocument/2006/relationships" xmlns:p="http://schemas.openxmlformats.org/presentationml/2006/main">
+  <p:cSld>
+    <p:spTree>
+      <p:nvGrpSpPr>
+        <p:cNvPr id="1" name=""/>
+        <p:cNvGrpSpPr/>
+        <p:nvPr/>
+      </p:nvGrpSpPr>
+      <p:grpSpPr>
+        <a:xfrm>
+          <a:off x="0" y="0"/>
+          <a:ext cx="0" cy="0"/>
+          <a:chOff x="0" y="0"/>
+          <a:chExt cx="0" cy="0"/>
+        </a:xfrm>
+      </p:grpSpPr>
+      <p:sp>
+        <p:nvSpPr>
+          <p:cNvPr id="2" name="Subtitle 1">
+            <a:extLst>
+              <a:ext uri="{FF2B5EF4-FFF2-40B4-BE49-F238E27FC236}">
+                <a16:creationId xmlns:a16="http://schemas.microsoft.com/office/drawing/2014/main" id="{968F3F8A-1A27-44F4-41EB-35F91CB03D5D}"/>
+              </a:ext>
+            </a:extLst>
+          </p:cNvPr>
+          <p:cNvSpPr>
+            <a:spLocks noGrp="1"/>
+          </p:cNvSpPr>
+          <p:nvPr>
+            <p:ph type="subTitle" idx="1"/>
+          </p:nvPr>
+        </p:nvSpPr>
+        <p:spPr/>
+        <p:txBody>
+          <a:bodyPr/>
+          <a:lstStyle/>
+          <a:p>
+            <a:pPr marL="292100" indent="-285750">
+              <a:lnSpc>
+                <a:spcPct val="120000"/>
+              </a:lnSpc>
+              <a:buFont typeface="Arial" panose="020B0604020202020204" pitchFamily="34" charset="0"/>
+              <a:buChar char="•"/>
+            </a:pPr>
+            <a:r>
+              <a:rPr lang="en-GB" dirty="0"/>
+              <a:t>The app will focus on scaling via awareness campaigns in association with private and government healthcare providers. </a:t>
+            </a:r>
+          </a:p>
+          <a:p>
+            <a:pPr marL="292100" indent="-285750">
+              <a:lnSpc>
+                <a:spcPct val="120000"/>
+              </a:lnSpc>
+              <a:buFont typeface="Arial" panose="020B0604020202020204" pitchFamily="34" charset="0"/>
+              <a:buChar char="•"/>
+            </a:pPr>
+            <a:r>
+              <a:rPr lang="en-GB" dirty="0"/>
+              <a:t>We aim for a non-profit model with donations from government agencies and other interested parties.</a:t>
+            </a:r>
+          </a:p>
+          <a:p>
+            <a:pPr marL="292100" indent="-285750">
+              <a:lnSpc>
+                <a:spcPct val="120000"/>
+              </a:lnSpc>
+              <a:buFont typeface="Arial" panose="020B0604020202020204" pitchFamily="34" charset="0"/>
+              <a:buChar char="•"/>
+            </a:pPr>
+            <a:r>
+              <a:rPr lang="en-GB" dirty="0"/>
+              <a:t>Another stream of revenue can be a small fee for a second, deeper level of analysis for financially-resourceful users.</a:t>
+            </a:r>
+          </a:p>
+        </p:txBody>
+      </p:sp>
+      <p:sp>
+        <p:nvSpPr>
+          <p:cNvPr id="3" name="Title 2">
+            <a:extLst>
+              <a:ext uri="{FF2B5EF4-FFF2-40B4-BE49-F238E27FC236}">
+                <a16:creationId xmlns:a16="http://schemas.microsoft.com/office/drawing/2014/main" id="{8DE5A1FE-124E-B46E-5E0E-F97EB1BFE8CF}"/>
+              </a:ext>
+            </a:extLst>
+          </p:cNvPr>
+          <p:cNvSpPr>
+            <a:spLocks noGrp="1"/>
+          </p:cNvSpPr>
+          <p:nvPr>
+            <p:ph type="title"/>
+          </p:nvPr>
+        </p:nvSpPr>
+        <p:spPr/>
+        <p:txBody>
+          <a:bodyPr/>
+          <a:lstStyle/>
+          <a:p>
+            <a:r>
+              <a:rPr lang="en-GB" dirty="0"/>
+              <a:t>FEASIBILITY AND SCALABILITY</a:t>
+            </a:r>
+          </a:p>
+        </p:txBody>
+      </p:sp>
+    </p:spTree>
+    <p:extLst>
+      <p:ext uri="{BB962C8B-B14F-4D97-AF65-F5344CB8AC3E}">
+        <p14:creationId xmlns:p14="http://schemas.microsoft.com/office/powerpoint/2010/main" val="469925125"/>
       </p:ext>
     </p:extLst>
   </p:cSld>
